--- a/Доклад на митап Иванов.pptx
+++ b/Доклад на митап Иванов.pptx
@@ -1,6 +1,6 @@
 
 <file path=ppt/presentation.xml><?xml version="1.0" encoding="utf-8"?>
-<p:presentation xmlns:a="http://schemas.openxmlformats.org/drawingml/2006/main" xmlns:r="http://schemas.openxmlformats.org/officeDocument/2006/relationships" xmlns:p="http://schemas.openxmlformats.org/presentationml/2006/main" saveSubsetFonts="1">
+<p:presentation xmlns:a="http://schemas.openxmlformats.org/drawingml/2006/main" xmlns:r="http://schemas.openxmlformats.org/officeDocument/2006/relationships" xmlns:p="http://schemas.openxmlformats.org/presentationml/2006/main" showSpecialPlsOnTitleSld="0" saveSubsetFonts="1">
   <p:sldMasterIdLst>
     <p:sldMasterId id="2147483648" r:id="rId1"/>
   </p:sldMasterIdLst>
@@ -133,7 +133,7 @@
   </p:defaultTextStyle>
   <p:extLst>
     <p:ext uri="{EFAFB233-063F-42B5-8137-9DF3F51BA10A}">
-      <p15:sldGuideLst xmlns:p15="http://schemas.microsoft.com/office/powerpoint/2012/main" xmlns="">
+      <p15:sldGuideLst xmlns:p15="http://schemas.microsoft.com/office/powerpoint/2012/main">
         <p15:guide id="1" orient="horz" pos="2160">
           <p15:clr>
             <a:srgbClr val="A4A3A4"/>
@@ -147,7 +147,7 @@
       </p15:sldGuideLst>
     </p:ext>
     <p:ext uri="{2D200454-40CA-4A62-9FC3-DE9A4176ACB9}">
-      <p15:notesGuideLst xmlns:p15="http://schemas.microsoft.com/office/powerpoint/2012/main" xmlns="">
+      <p15:notesGuideLst xmlns:p15="http://schemas.microsoft.com/office/powerpoint/2012/main">
         <p15:guide id="1" orient="horz" pos="2880">
           <p15:clr>
             <a:srgbClr val="A4A3A4"/>
@@ -2497,15 +2497,7 @@
           <a:p>
             <a:r>
               <a:rPr lang="ru-RU" dirty="0" smtClean="0"/>
-              <a:t>Показать </a:t>
-            </a:r>
-            <a:r>
-              <a:rPr lang="ru-RU" dirty="0" smtClean="0"/>
-              <a:t>боевую </a:t>
-            </a:r>
-            <a:r>
-              <a:rPr lang="ru-RU" dirty="0" smtClean="0"/>
-              <a:t>и тестовую реализацию (2 случая)</a:t>
+              <a:t>Показать боевую и тестовую реализацию (2 случая)</a:t>
             </a:r>
           </a:p>
           <a:p>
@@ -2896,7 +2888,7 @@
           <a:bodyPr/>
           <a:lstStyle/>
           <a:p>
-            <a:fld id="{651F76AB-4216-4C0F-8DAC-D9717FE38323}" type="datetimeFigureOut">
+            <a:fld id="{29BC05E3-E443-4BF9-876A-FD6E6B10A6F7}" type="datetime1">
               <a:rPr lang="ru-RU" smtClean="0"/>
               <a:t>28.02.2017</a:t>
             </a:fld>
@@ -3066,7 +3058,7 @@
           <a:bodyPr/>
           <a:lstStyle/>
           <a:p>
-            <a:fld id="{651F76AB-4216-4C0F-8DAC-D9717FE38323}" type="datetimeFigureOut">
+            <a:fld id="{388C521F-6BAD-4440-87A7-582C13B44443}" type="datetime1">
               <a:rPr lang="ru-RU" smtClean="0"/>
               <a:t>28.02.2017</a:t>
             </a:fld>
@@ -3246,7 +3238,7 @@
           <a:bodyPr/>
           <a:lstStyle/>
           <a:p>
-            <a:fld id="{651F76AB-4216-4C0F-8DAC-D9717FE38323}" type="datetimeFigureOut">
+            <a:fld id="{85E4864B-84B5-40DD-919D-298331547E0C}" type="datetime1">
               <a:rPr lang="ru-RU" smtClean="0"/>
               <a:t>28.02.2017</a:t>
             </a:fld>
@@ -3416,7 +3408,7 @@
           <a:bodyPr/>
           <a:lstStyle/>
           <a:p>
-            <a:fld id="{651F76AB-4216-4C0F-8DAC-D9717FE38323}" type="datetimeFigureOut">
+            <a:fld id="{290D8F60-0587-4ECA-8638-9150597E33F9}" type="datetime1">
               <a:rPr lang="ru-RU" smtClean="0"/>
               <a:t>28.02.2017</a:t>
             </a:fld>
@@ -3662,7 +3654,7 @@
           <a:bodyPr/>
           <a:lstStyle/>
           <a:p>
-            <a:fld id="{651F76AB-4216-4C0F-8DAC-D9717FE38323}" type="datetimeFigureOut">
+            <a:fld id="{561EB2CF-854A-4D39-B771-937741D51DA1}" type="datetime1">
               <a:rPr lang="ru-RU" smtClean="0"/>
               <a:t>28.02.2017</a:t>
             </a:fld>
@@ -3950,7 +3942,7 @@
           <a:bodyPr/>
           <a:lstStyle/>
           <a:p>
-            <a:fld id="{651F76AB-4216-4C0F-8DAC-D9717FE38323}" type="datetimeFigureOut">
+            <a:fld id="{C23E8F1D-7489-46FE-A8BC-F0850994EE83}" type="datetime1">
               <a:rPr lang="ru-RU" smtClean="0"/>
               <a:t>28.02.2017</a:t>
             </a:fld>
@@ -4372,7 +4364,7 @@
           <a:bodyPr/>
           <a:lstStyle/>
           <a:p>
-            <a:fld id="{651F76AB-4216-4C0F-8DAC-D9717FE38323}" type="datetimeFigureOut">
+            <a:fld id="{887F32A1-950D-43FE-AC62-A66648CAA200}" type="datetime1">
               <a:rPr lang="ru-RU" smtClean="0"/>
               <a:t>28.02.2017</a:t>
             </a:fld>
@@ -4490,7 +4482,7 @@
           <a:bodyPr/>
           <a:lstStyle/>
           <a:p>
-            <a:fld id="{651F76AB-4216-4C0F-8DAC-D9717FE38323}" type="datetimeFigureOut">
+            <a:fld id="{AA5CC336-BB98-462A-A290-54B352176C0C}" type="datetime1">
               <a:rPr lang="ru-RU" smtClean="0"/>
               <a:t>28.02.2017</a:t>
             </a:fld>
@@ -4585,7 +4577,7 @@
           <a:bodyPr/>
           <a:lstStyle/>
           <a:p>
-            <a:fld id="{651F76AB-4216-4C0F-8DAC-D9717FE38323}" type="datetimeFigureOut">
+            <a:fld id="{A14E07CC-760B-45D7-9067-1D79AC31ABD3}" type="datetime1">
               <a:rPr lang="ru-RU" smtClean="0"/>
               <a:t>28.02.2017</a:t>
             </a:fld>
@@ -4862,7 +4854,7 @@
           <a:bodyPr/>
           <a:lstStyle/>
           <a:p>
-            <a:fld id="{651F76AB-4216-4C0F-8DAC-D9717FE38323}" type="datetimeFigureOut">
+            <a:fld id="{654AA51C-9048-4B26-9670-197A7D76183C}" type="datetime1">
               <a:rPr lang="ru-RU" smtClean="0"/>
               <a:t>28.02.2017</a:t>
             </a:fld>
@@ -5115,7 +5107,7 @@
           <a:bodyPr/>
           <a:lstStyle/>
           <a:p>
-            <a:fld id="{651F76AB-4216-4C0F-8DAC-D9717FE38323}" type="datetimeFigureOut">
+            <a:fld id="{2199C182-DAF7-41A4-9430-2BFEE905B313}" type="datetime1">
               <a:rPr lang="ru-RU" smtClean="0"/>
               <a:t>28.02.2017</a:t>
             </a:fld>
@@ -5328,7 +5320,7 @@
             </a:lvl1pPr>
           </a:lstStyle>
           <a:p>
-            <a:fld id="{651F76AB-4216-4C0F-8DAC-D9717FE38323}" type="datetimeFigureOut">
+            <a:fld id="{03BAFA2A-B9CF-42D2-965B-007771006254}" type="datetime1">
               <a:rPr lang="ru-RU" smtClean="0"/>
               <a:t>28.02.2017</a:t>
             </a:fld>
@@ -5435,6 +5427,7 @@
     <p:sldLayoutId id="2147483658" r:id="rId10"/>
     <p:sldLayoutId id="2147483659" r:id="rId11"/>
   </p:sldLayoutIdLst>
+  <p:hf hdr="0" ftr="0" dt="0"/>
   <p:txStyles>
     <p:titleStyle>
       <a:lvl1pPr algn="ctr" defTabSz="914400" rtl="0" eaLnBrk="1" latinLnBrk="0" hangingPunct="1">
@@ -6034,6 +6027,29 @@
           </a:p>
         </p:txBody>
       </p:sp>
+      <p:sp>
+        <p:nvSpPr>
+          <p:cNvPr id="4" name="Номер слайда 3"/>
+          <p:cNvSpPr>
+            <a:spLocks noGrp="1"/>
+          </p:cNvSpPr>
+          <p:nvPr>
+            <p:ph type="sldNum" sz="quarter" idx="12"/>
+          </p:nvPr>
+        </p:nvSpPr>
+        <p:spPr/>
+        <p:txBody>
+          <a:bodyPr/>
+          <a:lstStyle/>
+          <a:p>
+            <a:fld id="{49B85831-E65B-4AC4-9D95-E7E79A84C9FD}" type="slidenum">
+              <a:rPr lang="ru-RU" smtClean="0"/>
+              <a:t>10</a:t>
+            </a:fld>
+            <a:endParaRPr lang="ru-RU"/>
+          </a:p>
+        </p:txBody>
+      </p:sp>
     </p:spTree>
     <p:extLst>
       <p:ext uri="{BB962C8B-B14F-4D97-AF65-F5344CB8AC3E}">
@@ -6126,8 +6142,20 @@
                 <a:tableStyleId>{5C22544A-7EE6-4342-B048-85BDC9FD1C3A}</a:tableStyleId>
               </a:tblPr>
               <a:tblGrid>
-                <a:gridCol w="3168352"/>
-                <a:gridCol w="5256584"/>
+                <a:gridCol w="3168352">
+                  <a:extLst>
+                    <a:ext uri="{9D8B030D-6E8A-4147-A177-3AD203B41FA5}">
+                      <a16:colId xmlns:a16="http://schemas.microsoft.com/office/drawing/2014/main" val="20000"/>
+                    </a:ext>
+                  </a:extLst>
+                </a:gridCol>
+                <a:gridCol w="5256584">
+                  <a:extLst>
+                    <a:ext uri="{9D8B030D-6E8A-4147-A177-3AD203B41FA5}">
+                      <a16:colId xmlns:a16="http://schemas.microsoft.com/office/drawing/2014/main" val="20001"/>
+                    </a:ext>
+                  </a:extLst>
+                </a:gridCol>
               </a:tblGrid>
               <a:tr h="628604">
                 <a:tc>
@@ -6160,6 +6188,11 @@
                   </a:txBody>
                   <a:tcPr/>
                 </a:tc>
+                <a:extLst>
+                  <a:ext uri="{0D108BD9-81ED-4DB2-BD59-A6C34878D82A}">
+                    <a16:rowId xmlns:a16="http://schemas.microsoft.com/office/drawing/2014/main" val="10000"/>
+                  </a:ext>
+                </a:extLst>
               </a:tr>
               <a:tr h="4339948">
                 <a:tc>
@@ -6283,11 +6316,39 @@
                   </a:txBody>
                   <a:tcPr/>
                 </a:tc>
+                <a:extLst>
+                  <a:ext uri="{0D108BD9-81ED-4DB2-BD59-A6C34878D82A}">
+                    <a16:rowId xmlns:a16="http://schemas.microsoft.com/office/drawing/2014/main" val="10001"/>
+                  </a:ext>
+                </a:extLst>
               </a:tr>
             </a:tbl>
           </a:graphicData>
         </a:graphic>
       </p:graphicFrame>
+      <p:sp>
+        <p:nvSpPr>
+          <p:cNvPr id="3" name="Номер слайда 2"/>
+          <p:cNvSpPr>
+            <a:spLocks noGrp="1"/>
+          </p:cNvSpPr>
+          <p:nvPr>
+            <p:ph type="sldNum" sz="quarter" idx="12"/>
+          </p:nvPr>
+        </p:nvSpPr>
+        <p:spPr/>
+        <p:txBody>
+          <a:bodyPr/>
+          <a:lstStyle/>
+          <a:p>
+            <a:fld id="{49B85831-E65B-4AC4-9D95-E7E79A84C9FD}" type="slidenum">
+              <a:rPr lang="ru-RU" smtClean="0"/>
+              <a:t>11</a:t>
+            </a:fld>
+            <a:endParaRPr lang="ru-RU"/>
+          </a:p>
+        </p:txBody>
+      </p:sp>
     </p:spTree>
     <p:extLst>
       <p:ext uri="{BB962C8B-B14F-4D97-AF65-F5344CB8AC3E}">
@@ -6428,10 +6489,33 @@
           <a:p>
             <a:pPr lvl="2"/>
             <a:r>
-              <a:rPr lang="en-US" i="1" dirty="0" err="1" smtClean="0"/>
-              <a:t>Sqllite</a:t>
+              <a:rPr lang="en-US" i="1" dirty="0" smtClean="0"/>
+              <a:t>SQLite</a:t>
             </a:r>
             <a:endParaRPr lang="ru-RU" i="1" dirty="0"/>
+          </a:p>
+        </p:txBody>
+      </p:sp>
+      <p:sp>
+        <p:nvSpPr>
+          <p:cNvPr id="4" name="Номер слайда 3"/>
+          <p:cNvSpPr>
+            <a:spLocks noGrp="1"/>
+          </p:cNvSpPr>
+          <p:nvPr>
+            <p:ph type="sldNum" sz="quarter" idx="12"/>
+          </p:nvPr>
+        </p:nvSpPr>
+        <p:spPr/>
+        <p:txBody>
+          <a:bodyPr/>
+          <a:lstStyle/>
+          <a:p>
+            <a:fld id="{49B85831-E65B-4AC4-9D95-E7E79A84C9FD}" type="slidenum">
+              <a:rPr lang="ru-RU" smtClean="0"/>
+              <a:t>12</a:t>
+            </a:fld>
+            <a:endParaRPr lang="ru-RU"/>
           </a:p>
         </p:txBody>
       </p:sp>
@@ -6657,6 +6741,29 @@
           </a:p>
         </p:txBody>
       </p:sp>
+      <p:sp>
+        <p:nvSpPr>
+          <p:cNvPr id="4" name="Номер слайда 3"/>
+          <p:cNvSpPr>
+            <a:spLocks noGrp="1"/>
+          </p:cNvSpPr>
+          <p:nvPr>
+            <p:ph type="sldNum" sz="quarter" idx="12"/>
+          </p:nvPr>
+        </p:nvSpPr>
+        <p:spPr/>
+        <p:txBody>
+          <a:bodyPr/>
+          <a:lstStyle/>
+          <a:p>
+            <a:fld id="{49B85831-E65B-4AC4-9D95-E7E79A84C9FD}" type="slidenum">
+              <a:rPr lang="ru-RU" smtClean="0"/>
+              <a:t>13</a:t>
+            </a:fld>
+            <a:endParaRPr lang="ru-RU"/>
+          </a:p>
+        </p:txBody>
+      </p:sp>
     </p:spTree>
     <p:extLst>
       <p:ext uri="{BB962C8B-B14F-4D97-AF65-F5344CB8AC3E}">
@@ -6800,6 +6907,29 @@
           </a:p>
         </p:txBody>
       </p:sp>
+      <p:sp>
+        <p:nvSpPr>
+          <p:cNvPr id="4" name="Номер слайда 3"/>
+          <p:cNvSpPr>
+            <a:spLocks noGrp="1"/>
+          </p:cNvSpPr>
+          <p:nvPr>
+            <p:ph type="sldNum" sz="quarter" idx="12"/>
+          </p:nvPr>
+        </p:nvSpPr>
+        <p:spPr/>
+        <p:txBody>
+          <a:bodyPr/>
+          <a:lstStyle/>
+          <a:p>
+            <a:fld id="{49B85831-E65B-4AC4-9D95-E7E79A84C9FD}" type="slidenum">
+              <a:rPr lang="ru-RU" smtClean="0"/>
+              <a:t>14</a:t>
+            </a:fld>
+            <a:endParaRPr lang="ru-RU"/>
+          </a:p>
+        </p:txBody>
+      </p:sp>
     </p:spTree>
     <p:extLst>
       <p:ext uri="{BB962C8B-B14F-4D97-AF65-F5344CB8AC3E}">
@@ -6920,6 +7050,29 @@
           </a:extLst>
         </p:spPr>
       </p:pic>
+      <p:sp>
+        <p:nvSpPr>
+          <p:cNvPr id="3" name="Номер слайда 2"/>
+          <p:cNvSpPr>
+            <a:spLocks noGrp="1"/>
+          </p:cNvSpPr>
+          <p:nvPr>
+            <p:ph type="sldNum" sz="quarter" idx="12"/>
+          </p:nvPr>
+        </p:nvSpPr>
+        <p:spPr/>
+        <p:txBody>
+          <a:bodyPr/>
+          <a:lstStyle/>
+          <a:p>
+            <a:fld id="{49B85831-E65B-4AC4-9D95-E7E79A84C9FD}" type="slidenum">
+              <a:rPr lang="ru-RU" smtClean="0"/>
+              <a:t>15</a:t>
+            </a:fld>
+            <a:endParaRPr lang="ru-RU"/>
+          </a:p>
+        </p:txBody>
+      </p:sp>
     </p:spTree>
     <p:extLst>
       <p:ext uri="{BB962C8B-B14F-4D97-AF65-F5344CB8AC3E}">
@@ -6930,6 +7083,13 @@
   <p:clrMapOvr>
     <a:masterClrMapping/>
   </p:clrMapOvr>
+  <p:timing>
+    <p:tnLst>
+      <p:par>
+        <p:cTn id="1" dur="indefinite" restart="never" nodeType="tmRoot"/>
+      </p:par>
+    </p:tnLst>
+  </p:timing>
 </p:sld>
 </file>
 
@@ -7033,6 +7193,29 @@
           </a:extLst>
         </p:spPr>
       </p:pic>
+      <p:sp>
+        <p:nvSpPr>
+          <p:cNvPr id="3" name="Номер слайда 2"/>
+          <p:cNvSpPr>
+            <a:spLocks noGrp="1"/>
+          </p:cNvSpPr>
+          <p:nvPr>
+            <p:ph type="sldNum" sz="quarter" idx="12"/>
+          </p:nvPr>
+        </p:nvSpPr>
+        <p:spPr/>
+        <p:txBody>
+          <a:bodyPr/>
+          <a:lstStyle/>
+          <a:p>
+            <a:fld id="{49B85831-E65B-4AC4-9D95-E7E79A84C9FD}" type="slidenum">
+              <a:rPr lang="ru-RU" smtClean="0"/>
+              <a:t>16</a:t>
+            </a:fld>
+            <a:endParaRPr lang="ru-RU"/>
+          </a:p>
+        </p:txBody>
+      </p:sp>
     </p:spTree>
     <p:extLst>
       <p:ext uri="{BB962C8B-B14F-4D97-AF65-F5344CB8AC3E}">
@@ -7043,6 +7226,13 @@
   <p:clrMapOvr>
     <a:masterClrMapping/>
   </p:clrMapOvr>
+  <p:timing>
+    <p:tnLst>
+      <p:par>
+        <p:cTn id="1" dur="indefinite" restart="never" nodeType="tmRoot"/>
+      </p:par>
+    </p:tnLst>
+  </p:timing>
 </p:sld>
 </file>
 
@@ -7165,6 +7355,29 @@
               <a:t>Работает с объектами непосредственно</a:t>
             </a:r>
             <a:endParaRPr lang="ru-RU" dirty="0"/>
+          </a:p>
+        </p:txBody>
+      </p:sp>
+      <p:sp>
+        <p:nvSpPr>
+          <p:cNvPr id="4" name="Номер слайда 3"/>
+          <p:cNvSpPr>
+            <a:spLocks noGrp="1"/>
+          </p:cNvSpPr>
+          <p:nvPr>
+            <p:ph type="sldNum" sz="quarter" idx="12"/>
+          </p:nvPr>
+        </p:nvSpPr>
+        <p:spPr/>
+        <p:txBody>
+          <a:bodyPr/>
+          <a:lstStyle/>
+          <a:p>
+            <a:fld id="{49B85831-E65B-4AC4-9D95-E7E79A84C9FD}" type="slidenum">
+              <a:rPr lang="ru-RU" smtClean="0"/>
+              <a:t>17</a:t>
+            </a:fld>
+            <a:endParaRPr lang="ru-RU"/>
           </a:p>
         </p:txBody>
       </p:sp>
@@ -7277,6 +7490,29 @@
           </a:p>
         </p:txBody>
       </p:sp>
+      <p:sp>
+        <p:nvSpPr>
+          <p:cNvPr id="4" name="Номер слайда 3"/>
+          <p:cNvSpPr>
+            <a:spLocks noGrp="1"/>
+          </p:cNvSpPr>
+          <p:nvPr>
+            <p:ph type="sldNum" sz="quarter" idx="12"/>
+          </p:nvPr>
+        </p:nvSpPr>
+        <p:spPr/>
+        <p:txBody>
+          <a:bodyPr/>
+          <a:lstStyle/>
+          <a:p>
+            <a:fld id="{49B85831-E65B-4AC4-9D95-E7E79A84C9FD}" type="slidenum">
+              <a:rPr lang="ru-RU" smtClean="0"/>
+              <a:t>18</a:t>
+            </a:fld>
+            <a:endParaRPr lang="ru-RU"/>
+          </a:p>
+        </p:txBody>
+      </p:sp>
     </p:spTree>
     <p:extLst>
       <p:ext uri="{BB962C8B-B14F-4D97-AF65-F5344CB8AC3E}">
@@ -7391,6 +7627,29 @@
           </a:p>
         </p:txBody>
       </p:sp>
+      <p:sp>
+        <p:nvSpPr>
+          <p:cNvPr id="4" name="Номер слайда 3"/>
+          <p:cNvSpPr>
+            <a:spLocks noGrp="1"/>
+          </p:cNvSpPr>
+          <p:nvPr>
+            <p:ph type="sldNum" sz="quarter" idx="12"/>
+          </p:nvPr>
+        </p:nvSpPr>
+        <p:spPr/>
+        <p:txBody>
+          <a:bodyPr/>
+          <a:lstStyle/>
+          <a:p>
+            <a:fld id="{49B85831-E65B-4AC4-9D95-E7E79A84C9FD}" type="slidenum">
+              <a:rPr lang="ru-RU" smtClean="0"/>
+              <a:t>19</a:t>
+            </a:fld>
+            <a:endParaRPr lang="ru-RU"/>
+          </a:p>
+        </p:txBody>
+      </p:sp>
     </p:spTree>
     <p:extLst>
       <p:ext uri="{BB962C8B-B14F-4D97-AF65-F5344CB8AC3E}">
@@ -7401,6 +7660,13 @@
   <p:clrMapOvr>
     <a:masterClrMapping/>
   </p:clrMapOvr>
+  <p:timing>
+    <p:tnLst>
+      <p:par>
+        <p:cTn id="1" dur="indefinite" restart="never" nodeType="tmRoot"/>
+      </p:par>
+    </p:tnLst>
+  </p:timing>
 </p:sld>
 </file>
 
@@ -7572,6 +7838,29 @@
               <a:t>Не реализован важный функционал =(</a:t>
             </a:r>
             <a:endParaRPr lang="ru-RU" dirty="0"/>
+          </a:p>
+        </p:txBody>
+      </p:sp>
+      <p:sp>
+        <p:nvSpPr>
+          <p:cNvPr id="4" name="Номер слайда 3"/>
+          <p:cNvSpPr>
+            <a:spLocks noGrp="1"/>
+          </p:cNvSpPr>
+          <p:nvPr>
+            <p:ph type="sldNum" sz="quarter" idx="12"/>
+          </p:nvPr>
+        </p:nvSpPr>
+        <p:spPr/>
+        <p:txBody>
+          <a:bodyPr/>
+          <a:lstStyle/>
+          <a:p>
+            <a:fld id="{49B85831-E65B-4AC4-9D95-E7E79A84C9FD}" type="slidenum">
+              <a:rPr lang="ru-RU" smtClean="0"/>
+              <a:t>2</a:t>
+            </a:fld>
+            <a:endParaRPr lang="ru-RU"/>
           </a:p>
         </p:txBody>
       </p:sp>
@@ -7660,13 +7949,18 @@
             </a:r>
             <a:r>
               <a:rPr lang="ru-RU" dirty="0" smtClean="0"/>
-              <a:t> на тест. При 10-15 сущностях</a:t>
-            </a:r>
-          </a:p>
-          <a:p>
-            <a:r>
-              <a:rPr lang="ru-RU" dirty="0" smtClean="0"/>
-              <a:t>При увеличении сложности и кол-ва запросов и данных. 500-1000 </a:t>
+              <a:t> на тест. </a:t>
+            </a:r>
+            <a:endParaRPr lang="en-US" dirty="0" smtClean="0"/>
+          </a:p>
+          <a:p>
+            <a:r>
+              <a:rPr lang="ru-RU" dirty="0" smtClean="0"/>
+              <a:t>При </a:t>
+            </a:r>
+            <a:r>
+              <a:rPr lang="ru-RU" dirty="0" smtClean="0"/>
+              <a:t>увеличении сложности и кол-ва запросов и данных. 500-1000 </a:t>
             </a:r>
             <a:r>
               <a:rPr lang="ru-RU" dirty="0" err="1" smtClean="0"/>
@@ -7683,6 +7977,29 @@
               <a:t>Тесты можно выполнять параллельно</a:t>
             </a:r>
             <a:endParaRPr lang="ru-RU" dirty="0"/>
+          </a:p>
+        </p:txBody>
+      </p:sp>
+      <p:sp>
+        <p:nvSpPr>
+          <p:cNvPr id="4" name="Номер слайда 3"/>
+          <p:cNvSpPr>
+            <a:spLocks noGrp="1"/>
+          </p:cNvSpPr>
+          <p:nvPr>
+            <p:ph type="sldNum" sz="quarter" idx="12"/>
+          </p:nvPr>
+        </p:nvSpPr>
+        <p:spPr/>
+        <p:txBody>
+          <a:bodyPr/>
+          <a:lstStyle/>
+          <a:p>
+            <a:fld id="{49B85831-E65B-4AC4-9D95-E7E79A84C9FD}" type="slidenum">
+              <a:rPr lang="ru-RU" smtClean="0"/>
+              <a:t>20</a:t>
+            </a:fld>
+            <a:endParaRPr lang="ru-RU"/>
           </a:p>
         </p:txBody>
       </p:sp>
@@ -7801,6 +8118,29 @@
           </a:extLst>
         </p:spPr>
       </p:pic>
+      <p:sp>
+        <p:nvSpPr>
+          <p:cNvPr id="3" name="Номер слайда 2"/>
+          <p:cNvSpPr>
+            <a:spLocks noGrp="1"/>
+          </p:cNvSpPr>
+          <p:nvPr>
+            <p:ph type="sldNum" sz="quarter" idx="12"/>
+          </p:nvPr>
+        </p:nvSpPr>
+        <p:spPr/>
+        <p:txBody>
+          <a:bodyPr/>
+          <a:lstStyle/>
+          <a:p>
+            <a:fld id="{49B85831-E65B-4AC4-9D95-E7E79A84C9FD}" type="slidenum">
+              <a:rPr lang="ru-RU" smtClean="0"/>
+              <a:t>21</a:t>
+            </a:fld>
+            <a:endParaRPr lang="ru-RU"/>
+          </a:p>
+        </p:txBody>
+      </p:sp>
     </p:spTree>
     <p:extLst>
       <p:ext uri="{BB962C8B-B14F-4D97-AF65-F5344CB8AC3E}">
@@ -7938,6 +8278,29 @@
           </a:p>
         </p:txBody>
       </p:sp>
+      <p:sp>
+        <p:nvSpPr>
+          <p:cNvPr id="4" name="Номер слайда 3"/>
+          <p:cNvSpPr>
+            <a:spLocks noGrp="1"/>
+          </p:cNvSpPr>
+          <p:nvPr>
+            <p:ph type="sldNum" sz="quarter" idx="12"/>
+          </p:nvPr>
+        </p:nvSpPr>
+        <p:spPr/>
+        <p:txBody>
+          <a:bodyPr/>
+          <a:lstStyle/>
+          <a:p>
+            <a:fld id="{49B85831-E65B-4AC4-9D95-E7E79A84C9FD}" type="slidenum">
+              <a:rPr lang="ru-RU" smtClean="0"/>
+              <a:t>22</a:t>
+            </a:fld>
+            <a:endParaRPr lang="ru-RU"/>
+          </a:p>
+        </p:txBody>
+      </p:sp>
     </p:spTree>
     <p:extLst>
       <p:ext uri="{BB962C8B-B14F-4D97-AF65-F5344CB8AC3E}">
@@ -8119,6 +8482,29 @@
           </a:p>
         </p:txBody>
       </p:sp>
+      <p:sp>
+        <p:nvSpPr>
+          <p:cNvPr id="4" name="Номер слайда 3"/>
+          <p:cNvSpPr>
+            <a:spLocks noGrp="1"/>
+          </p:cNvSpPr>
+          <p:nvPr>
+            <p:ph type="sldNum" sz="quarter" idx="12"/>
+          </p:nvPr>
+        </p:nvSpPr>
+        <p:spPr/>
+        <p:txBody>
+          <a:bodyPr/>
+          <a:lstStyle/>
+          <a:p>
+            <a:fld id="{49B85831-E65B-4AC4-9D95-E7E79A84C9FD}" type="slidenum">
+              <a:rPr lang="ru-RU" smtClean="0"/>
+              <a:t>23</a:t>
+            </a:fld>
+            <a:endParaRPr lang="ru-RU"/>
+          </a:p>
+        </p:txBody>
+      </p:sp>
     </p:spTree>
     <p:extLst>
       <p:ext uri="{BB962C8B-B14F-4D97-AF65-F5344CB8AC3E}">
@@ -8253,6 +8639,29 @@
           </a:p>
         </p:txBody>
       </p:sp>
+      <p:sp>
+        <p:nvSpPr>
+          <p:cNvPr id="4" name="Номер слайда 3"/>
+          <p:cNvSpPr>
+            <a:spLocks noGrp="1"/>
+          </p:cNvSpPr>
+          <p:nvPr>
+            <p:ph type="sldNum" sz="quarter" idx="12"/>
+          </p:nvPr>
+        </p:nvSpPr>
+        <p:spPr/>
+        <p:txBody>
+          <a:bodyPr/>
+          <a:lstStyle/>
+          <a:p>
+            <a:fld id="{49B85831-E65B-4AC4-9D95-E7E79A84C9FD}" type="slidenum">
+              <a:rPr lang="ru-RU" smtClean="0"/>
+              <a:t>24</a:t>
+            </a:fld>
+            <a:endParaRPr lang="ru-RU"/>
+          </a:p>
+        </p:txBody>
+      </p:sp>
     </p:spTree>
     <p:extLst>
       <p:ext uri="{BB962C8B-B14F-4D97-AF65-F5344CB8AC3E}">
@@ -8263,6 +8672,13 @@
   <p:clrMapOvr>
     <a:masterClrMapping/>
   </p:clrMapOvr>
+  <p:timing>
+    <p:tnLst>
+      <p:par>
+        <p:cTn id="1" dur="indefinite" restart="never" nodeType="tmRoot"/>
+      </p:par>
+    </p:tnLst>
+  </p:timing>
 </p:sld>
 </file>
 
@@ -8404,6 +8820,29 @@
           </a:extLst>
         </p:spPr>
       </p:pic>
+      <p:sp>
+        <p:nvSpPr>
+          <p:cNvPr id="3" name="Номер слайда 2"/>
+          <p:cNvSpPr>
+            <a:spLocks noGrp="1"/>
+          </p:cNvSpPr>
+          <p:nvPr>
+            <p:ph type="sldNum" sz="quarter" idx="12"/>
+          </p:nvPr>
+        </p:nvSpPr>
+        <p:spPr/>
+        <p:txBody>
+          <a:bodyPr/>
+          <a:lstStyle/>
+          <a:p>
+            <a:fld id="{49B85831-E65B-4AC4-9D95-E7E79A84C9FD}" type="slidenum">
+              <a:rPr lang="ru-RU" smtClean="0"/>
+              <a:t>25</a:t>
+            </a:fld>
+            <a:endParaRPr lang="ru-RU"/>
+          </a:p>
+        </p:txBody>
+      </p:sp>
     </p:spTree>
     <p:extLst>
       <p:ext uri="{BB962C8B-B14F-4D97-AF65-F5344CB8AC3E}">
@@ -8542,6 +8981,29 @@
           </a:p>
         </p:txBody>
       </p:sp>
+      <p:sp>
+        <p:nvSpPr>
+          <p:cNvPr id="3" name="Номер слайда 2"/>
+          <p:cNvSpPr>
+            <a:spLocks noGrp="1"/>
+          </p:cNvSpPr>
+          <p:nvPr>
+            <p:ph type="sldNum" sz="quarter" idx="12"/>
+          </p:nvPr>
+        </p:nvSpPr>
+        <p:spPr/>
+        <p:txBody>
+          <a:bodyPr/>
+          <a:lstStyle/>
+          <a:p>
+            <a:fld id="{49B85831-E65B-4AC4-9D95-E7E79A84C9FD}" type="slidenum">
+              <a:rPr lang="ru-RU" smtClean="0"/>
+              <a:t>3</a:t>
+            </a:fld>
+            <a:endParaRPr lang="ru-RU"/>
+          </a:p>
+        </p:txBody>
+      </p:sp>
     </p:spTree>
     <p:extLst>
       <p:ext uri="{BB962C8B-B14F-4D97-AF65-F5344CB8AC3E}">
@@ -8664,6 +9126,29 @@
           </a:p>
         </p:txBody>
       </p:sp>
+      <p:sp>
+        <p:nvSpPr>
+          <p:cNvPr id="4" name="Номер слайда 3"/>
+          <p:cNvSpPr>
+            <a:spLocks noGrp="1"/>
+          </p:cNvSpPr>
+          <p:nvPr>
+            <p:ph type="sldNum" sz="quarter" idx="12"/>
+          </p:nvPr>
+        </p:nvSpPr>
+        <p:spPr/>
+        <p:txBody>
+          <a:bodyPr/>
+          <a:lstStyle/>
+          <a:p>
+            <a:fld id="{49B85831-E65B-4AC4-9D95-E7E79A84C9FD}" type="slidenum">
+              <a:rPr lang="ru-RU" smtClean="0"/>
+              <a:t>4</a:t>
+            </a:fld>
+            <a:endParaRPr lang="ru-RU"/>
+          </a:p>
+        </p:txBody>
+      </p:sp>
     </p:spTree>
     <p:extLst>
       <p:ext uri="{BB962C8B-B14F-4D97-AF65-F5344CB8AC3E}">
@@ -9200,6 +9685,29 @@
           </a:p>
         </p:txBody>
       </p:sp>
+      <p:sp>
+        <p:nvSpPr>
+          <p:cNvPr id="4" name="Номер слайда 3"/>
+          <p:cNvSpPr>
+            <a:spLocks noGrp="1"/>
+          </p:cNvSpPr>
+          <p:nvPr>
+            <p:ph type="sldNum" sz="quarter" idx="12"/>
+          </p:nvPr>
+        </p:nvSpPr>
+        <p:spPr/>
+        <p:txBody>
+          <a:bodyPr/>
+          <a:lstStyle/>
+          <a:p>
+            <a:fld id="{49B85831-E65B-4AC4-9D95-E7E79A84C9FD}" type="slidenum">
+              <a:rPr lang="ru-RU" smtClean="0"/>
+              <a:t>5</a:t>
+            </a:fld>
+            <a:endParaRPr lang="ru-RU"/>
+          </a:p>
+        </p:txBody>
+      </p:sp>
     </p:spTree>
     <p:extLst>
       <p:ext uri="{BB962C8B-B14F-4D97-AF65-F5344CB8AC3E}">
@@ -9512,6 +10020,29 @@
           </a:p>
         </p:txBody>
       </p:sp>
+      <p:sp>
+        <p:nvSpPr>
+          <p:cNvPr id="4" name="Номер слайда 3"/>
+          <p:cNvSpPr>
+            <a:spLocks noGrp="1"/>
+          </p:cNvSpPr>
+          <p:nvPr>
+            <p:ph type="sldNum" sz="quarter" idx="12"/>
+          </p:nvPr>
+        </p:nvSpPr>
+        <p:spPr/>
+        <p:txBody>
+          <a:bodyPr/>
+          <a:lstStyle/>
+          <a:p>
+            <a:fld id="{49B85831-E65B-4AC4-9D95-E7E79A84C9FD}" type="slidenum">
+              <a:rPr lang="ru-RU" smtClean="0"/>
+              <a:t>6</a:t>
+            </a:fld>
+            <a:endParaRPr lang="ru-RU"/>
+          </a:p>
+        </p:txBody>
+      </p:sp>
     </p:spTree>
     <p:extLst>
       <p:ext uri="{BB962C8B-B14F-4D97-AF65-F5344CB8AC3E}">
@@ -9682,6 +10213,29 @@
           </a:p>
         </p:txBody>
       </p:sp>
+      <p:sp>
+        <p:nvSpPr>
+          <p:cNvPr id="4" name="Номер слайда 3"/>
+          <p:cNvSpPr>
+            <a:spLocks noGrp="1"/>
+          </p:cNvSpPr>
+          <p:nvPr>
+            <p:ph type="sldNum" sz="quarter" idx="12"/>
+          </p:nvPr>
+        </p:nvSpPr>
+        <p:spPr/>
+        <p:txBody>
+          <a:bodyPr/>
+          <a:lstStyle/>
+          <a:p>
+            <a:fld id="{49B85831-E65B-4AC4-9D95-E7E79A84C9FD}" type="slidenum">
+              <a:rPr lang="ru-RU" smtClean="0"/>
+              <a:t>7</a:t>
+            </a:fld>
+            <a:endParaRPr lang="ru-RU"/>
+          </a:p>
+        </p:txBody>
+      </p:sp>
     </p:spTree>
     <p:extLst>
       <p:ext uri="{BB962C8B-B14F-4D97-AF65-F5344CB8AC3E}">
@@ -9767,8 +10321,20 @@
                 <a:tableStyleId>{5C22544A-7EE6-4342-B048-85BDC9FD1C3A}</a:tableStyleId>
               </a:tblPr>
               <a:tblGrid>
-                <a:gridCol w="4311986"/>
-                <a:gridCol w="4112950"/>
+                <a:gridCol w="4311986">
+                  <a:extLst>
+                    <a:ext uri="{9D8B030D-6E8A-4147-A177-3AD203B41FA5}">
+                      <a16:colId xmlns:a16="http://schemas.microsoft.com/office/drawing/2014/main" val="20000"/>
+                    </a:ext>
+                  </a:extLst>
+                </a:gridCol>
+                <a:gridCol w="4112950">
+                  <a:extLst>
+                    <a:ext uri="{9D8B030D-6E8A-4147-A177-3AD203B41FA5}">
+                      <a16:colId xmlns:a16="http://schemas.microsoft.com/office/drawing/2014/main" val="20001"/>
+                    </a:ext>
+                  </a:extLst>
+                </a:gridCol>
               </a:tblGrid>
               <a:tr h="628604">
                 <a:tc>
@@ -9801,6 +10367,11 @@
                   </a:txBody>
                   <a:tcPr/>
                 </a:tc>
+                <a:extLst>
+                  <a:ext uri="{0D108BD9-81ED-4DB2-BD59-A6C34878D82A}">
+                    <a16:rowId xmlns:a16="http://schemas.microsoft.com/office/drawing/2014/main" val="10000"/>
+                  </a:ext>
+                </a:extLst>
               </a:tr>
               <a:tr h="4339948">
                 <a:tc>
@@ -9922,11 +10493,39 @@
                   </a:txBody>
                   <a:tcPr/>
                 </a:tc>
+                <a:extLst>
+                  <a:ext uri="{0D108BD9-81ED-4DB2-BD59-A6C34878D82A}">
+                    <a16:rowId xmlns:a16="http://schemas.microsoft.com/office/drawing/2014/main" val="10001"/>
+                  </a:ext>
+                </a:extLst>
               </a:tr>
             </a:tbl>
           </a:graphicData>
         </a:graphic>
       </p:graphicFrame>
+      <p:sp>
+        <p:nvSpPr>
+          <p:cNvPr id="3" name="Номер слайда 2"/>
+          <p:cNvSpPr>
+            <a:spLocks noGrp="1"/>
+          </p:cNvSpPr>
+          <p:nvPr>
+            <p:ph type="sldNum" sz="quarter" idx="12"/>
+          </p:nvPr>
+        </p:nvSpPr>
+        <p:spPr/>
+        <p:txBody>
+          <a:bodyPr/>
+          <a:lstStyle/>
+          <a:p>
+            <a:fld id="{49B85831-E65B-4AC4-9D95-E7E79A84C9FD}" type="slidenum">
+              <a:rPr lang="ru-RU" smtClean="0"/>
+              <a:t>8</a:t>
+            </a:fld>
+            <a:endParaRPr lang="ru-RU"/>
+          </a:p>
+        </p:txBody>
+      </p:sp>
     </p:spTree>
     <p:extLst>
       <p:ext uri="{BB962C8B-B14F-4D97-AF65-F5344CB8AC3E}">
@@ -10047,7 +10646,7 @@
           <a:p>
             <a:pPr marL="1371600" lvl="2" indent="-514350">
               <a:buFont typeface="+mj-lt"/>
-              <a:buAutoNum type="arabicPeriod"/>
+              <a:buAutoNum type="alphaLcParenR"/>
             </a:pPr>
             <a:r>
               <a:rPr lang="ru-RU" dirty="0" smtClean="0"/>
@@ -10062,7 +10661,7 @@
           <a:p>
             <a:pPr marL="1371600" lvl="2" indent="-514350">
               <a:buFont typeface="+mj-lt"/>
-              <a:buAutoNum type="arabicPeriod"/>
+              <a:buAutoNum type="alphaLcParenR"/>
             </a:pPr>
             <a:r>
               <a:rPr lang="ru-RU" dirty="0" smtClean="0"/>
@@ -10092,6 +10691,29 @@
               <a:t> Database</a:t>
             </a:r>
             <a:endParaRPr lang="ru-RU" dirty="0"/>
+          </a:p>
+        </p:txBody>
+      </p:sp>
+      <p:sp>
+        <p:nvSpPr>
+          <p:cNvPr id="4" name="Номер слайда 3"/>
+          <p:cNvSpPr>
+            <a:spLocks noGrp="1"/>
+          </p:cNvSpPr>
+          <p:nvPr>
+            <p:ph type="sldNum" sz="quarter" idx="12"/>
+          </p:nvPr>
+        </p:nvSpPr>
+        <p:spPr/>
+        <p:txBody>
+          <a:bodyPr/>
+          <a:lstStyle/>
+          <a:p>
+            <a:fld id="{49B85831-E65B-4AC4-9D95-E7E79A84C9FD}" type="slidenum">
+              <a:rPr lang="ru-RU" smtClean="0"/>
+              <a:t>9</a:t>
+            </a:fld>
+            <a:endParaRPr lang="ru-RU"/>
           </a:p>
         </p:txBody>
       </p:sp>
